--- a/TANG - project pre.pptx
+++ b/TANG - project pre.pptx
@@ -799,7 +799,7 @@
           <a:bodyPr/>
           <a:lstStyle/>
           <a:p>
-            <a:endParaRPr lang="zh-CN" altLang="en-US"/>
+            <a:endParaRPr lang="zh-CN" altLang="en-US" dirty="0"/>
           </a:p>
         </p:txBody>
       </p:sp>
@@ -7350,7 +7350,7 @@
         <p:spPr>
           <a:xfrm>
             <a:off x="1698172" y="3361738"/>
-            <a:ext cx="2707574" cy="2031325"/>
+            <a:ext cx="2707574" cy="1754326"/>
           </a:xfrm>
           <a:prstGeom prst="rect">
             <a:avLst/>
@@ -7370,7 +7370,7 @@
                 </a:solidFill>
                 <a:latin typeface="+mn-ea"/>
               </a:rPr>
-              <a:t>Users from all parties in the system jointly maintain the same distributed ledger that records various medical information records.</a:t>
+              <a:t>Users from all parties in the system maintain the same distributed ledger that records various medical information.</a:t>
             </a:r>
             <a:endParaRPr lang="zh-CN" altLang="en-US" dirty="0">
               <a:solidFill>
@@ -7625,7 +7625,7 @@
                   <a:schemeClr val="bg1"/>
                 </a:solidFill>
               </a:rPr>
-              <a:t>Provide a stable and efficient query interface to facilitate users such as pharmacies and insurance institutions to query medical information.</a:t>
+              <a:t>Provide a stable and efficient query interface to support users such as doctors and insurance companies in querying medical information.</a:t>
             </a:r>
             <a:endParaRPr lang="zh-CN" altLang="en-US" sz="2000" dirty="0">
               <a:solidFill>
@@ -7748,7 +7748,7 @@
           <a:p>
             <a:r>
               <a:rPr lang="en" altLang="zh-CN" sz="2000" dirty="0"/>
-              <a:t>Assign different operation permissions to different usage roles.</a:t>
+              <a:t>Assign different operation permissions to different user roles.</a:t>
             </a:r>
             <a:endParaRPr lang="zh-CN" altLang="en-US" sz="2000" dirty="0"/>
           </a:p>
@@ -8707,7 +8707,7 @@
         <p:spPr>
           <a:xfrm>
             <a:off x="948721" y="1499728"/>
-            <a:ext cx="3056896" cy="2862322"/>
+            <a:ext cx="3056896" cy="2585323"/>
           </a:xfrm>
           <a:prstGeom prst="rect">
             <a:avLst/>
@@ -8750,7 +8750,7 @@
                 <a:latin typeface="+mn-ea"/>
                 <a:ea typeface="+mn-ea"/>
               </a:rPr>
-              <a:t>Write respective configuration files</a:t>
+              <a:t>Configuration files</a:t>
             </a:r>
           </a:p>
           <a:p>
@@ -8779,7 +8779,7 @@
                 <a:latin typeface="+mn-ea"/>
                 <a:ea typeface="+mn-ea"/>
               </a:rPr>
-              <a:t>certificate file</a:t>
+              <a:t>Certificate files</a:t>
             </a:r>
           </a:p>
           <a:p>
@@ -8808,7 +8808,7 @@
                 <a:latin typeface="+mn-ea"/>
                 <a:ea typeface="+mn-ea"/>
               </a:rPr>
-              <a:t>genesis block</a:t>
+              <a:t>Genesis block</a:t>
             </a:r>
           </a:p>
           <a:p>
@@ -8837,7 +8837,7 @@
                 <a:latin typeface="+mn-ea"/>
                 <a:ea typeface="+mn-ea"/>
               </a:rPr>
-              <a:t>Channel configuration</a:t>
+              <a:t>Channel configurations</a:t>
             </a:r>
           </a:p>
           <a:p>
@@ -9176,7 +9176,7 @@
         </p:nvCxnSpPr>
         <p:spPr>
           <a:xfrm flipH="1">
-            <a:off x="4219575" y="1697990"/>
+            <a:off x="3694521" y="1850393"/>
             <a:ext cx="6985" cy="2632075"/>
           </a:xfrm>
           <a:prstGeom prst="line">
@@ -9213,7 +9213,7 @@
         </p:nvSpPr>
         <p:spPr>
           <a:xfrm>
-            <a:off x="4074160" y="1697994"/>
+            <a:off x="3534410" y="1701821"/>
             <a:ext cx="304800" cy="304800"/>
           </a:xfrm>
           <a:prstGeom prst="ellipse">
@@ -9428,14 +9428,14 @@
         <p:nvCxnSpPr>
           <p:cNvPr id="32" name="直接连接符 31"/>
           <p:cNvCxnSpPr>
-            <a:endCxn id="30" idx="2"/>
+            <a:cxnSpLocks/>
           </p:cNvCxnSpPr>
           <p:nvPr/>
         </p:nvCxnSpPr>
         <p:spPr>
           <a:xfrm>
             <a:off x="2862218" y="1850394"/>
-            <a:ext cx="1211942" cy="0"/>
+            <a:ext cx="608148" cy="0"/>
           </a:xfrm>
           <a:prstGeom prst="line">
             <a:avLst/>
@@ -9471,9 +9471,9 @@
         <p:grpSpPr>
           <a:xfrm>
             <a:off x="624839" y="4257346"/>
-            <a:ext cx="3746864" cy="1082675"/>
+            <a:ext cx="3218478" cy="1082675"/>
             <a:chOff x="2494279" y="4284016"/>
-            <a:chExt cx="3746864" cy="1082675"/>
+            <a:chExt cx="3218478" cy="1082675"/>
           </a:xfrm>
         </p:grpSpPr>
         <p:sp>
@@ -9541,7 +9541,7 @@
           </p:nvSpPr>
           <p:spPr>
             <a:xfrm>
-              <a:off x="5936343" y="4356588"/>
+              <a:off x="5407957" y="4356587"/>
               <a:ext cx="304800" cy="304800"/>
             </a:xfrm>
             <a:prstGeom prst="ellipse">
@@ -9756,14 +9756,14 @@
           <p:nvCxnSpPr>
             <p:cNvPr id="47" name="直接连接符 46"/>
             <p:cNvCxnSpPr>
-              <a:endCxn id="45" idx="2"/>
+              <a:cxnSpLocks/>
             </p:cNvCxnSpPr>
             <p:nvPr/>
           </p:nvCxnSpPr>
           <p:spPr>
-            <a:xfrm flipV="1">
-              <a:off x="4743269" y="4508988"/>
-              <a:ext cx="1193074" cy="15239"/>
+            <a:xfrm>
+              <a:off x="4743269" y="4524227"/>
+              <a:ext cx="596537" cy="0"/>
             </a:xfrm>
             <a:prstGeom prst="line">
               <a:avLst/>
@@ -9827,6 +9827,71 @@
               <a:t>Smart contract calls</a:t>
             </a:r>
             <a:endParaRPr lang="zh-CN" altLang="en-US" sz="2800" b="1" dirty="0">
+              <a:solidFill>
+                <a:schemeClr val="tx1">
+                  <a:lumMod val="85000"/>
+                  <a:lumOff val="15000"/>
+                </a:schemeClr>
+              </a:solidFill>
+              <a:latin typeface="+mn-ea"/>
+            </a:endParaRPr>
+          </a:p>
+        </p:txBody>
+      </p:sp>
+      <p:sp>
+        <p:nvSpPr>
+          <p:cNvPr id="4" name="文本框 3">
+            <a:extLst>
+              <a:ext uri="{FF2B5EF4-FFF2-40B4-BE49-F238E27FC236}">
+                <a16:creationId xmlns:a16="http://schemas.microsoft.com/office/drawing/2014/main" id="{630B8F58-6160-9F47-5D82-19AB03B05C25}"/>
+              </a:ext>
+            </a:extLst>
+          </p:cNvPr>
+          <p:cNvSpPr txBox="1"/>
+          <p:nvPr/>
+        </p:nvSpPr>
+        <p:spPr>
+          <a:xfrm>
+            <a:off x="2157291" y="3008858"/>
+            <a:ext cx="2904490" cy="369332"/>
+          </a:xfrm>
+          <a:prstGeom prst="rect">
+            <a:avLst/>
+          </a:prstGeom>
+          <a:noFill/>
+        </p:spPr>
+        <p:txBody>
+          <a:bodyPr wrap="square" rtlCol="0">
+            <a:spAutoFit/>
+          </a:bodyPr>
+          <a:lstStyle/>
+          <a:p>
+            <a:pPr algn="ctr"/>
+            <a:r>
+              <a:rPr lang="en" altLang="zh-CN" dirty="0" err="1">
+                <a:solidFill>
+                  <a:schemeClr val="tx1">
+                    <a:lumMod val="85000"/>
+                    <a:lumOff val="15000"/>
+                  </a:schemeClr>
+                </a:solidFill>
+                <a:latin typeface="+mn-ea"/>
+              </a:rPr>
+              <a:t>Chaincode</a:t>
+            </a:r>
+            <a:r>
+              <a:rPr lang="en" altLang="zh-CN" dirty="0">
+                <a:solidFill>
+                  <a:schemeClr val="tx1">
+                    <a:lumMod val="85000"/>
+                    <a:lumOff val="15000"/>
+                  </a:schemeClr>
+                </a:solidFill>
+                <a:latin typeface="+mn-ea"/>
+              </a:rPr>
+              <a:t> Interface</a:t>
+            </a:r>
+            <a:endParaRPr lang="zh-CN" altLang="en-US" dirty="0">
               <a:solidFill>
                 <a:schemeClr val="tx1">
                   <a:lumMod val="85000"/>
@@ -12631,8 +12696,8 @@
         </p:nvSpPr>
         <p:spPr>
           <a:xfrm>
-            <a:off x="4826773" y="662503"/>
-            <a:ext cx="2538453" cy="521970"/>
+            <a:off x="4205991" y="894428"/>
+            <a:ext cx="3780017" cy="523220"/>
           </a:xfrm>
           <a:prstGeom prst="rect">
             <a:avLst/>
@@ -12657,7 +12722,7 @@
                 <a:latin typeface="+mj-ea"/>
                 <a:ea typeface="+mj-ea"/>
               </a:rPr>
-              <a:t>Insurers</a:t>
+              <a:t>Insurance agency</a:t>
             </a:r>
             <a:endParaRPr lang="zh-CN" altLang="en-US" sz="2800" b="1" dirty="0">
               <a:solidFill>

--- a/TANG - project pre.pptx
+++ b/TANG - project pre.pptx
@@ -13,9 +13,9 @@
     <p:sldId id="283" r:id="rId4"/>
     <p:sldId id="284" r:id="rId5"/>
     <p:sldId id="285" r:id="rId6"/>
-    <p:sldId id="323" r:id="rId7"/>
+    <p:sldId id="324" r:id="rId7"/>
     <p:sldId id="314" r:id="rId8"/>
-    <p:sldId id="315" r:id="rId9"/>
+    <p:sldId id="325" r:id="rId9"/>
     <p:sldId id="321" r:id="rId10"/>
     <p:sldId id="317" r:id="rId11"/>
     <p:sldId id="320" r:id="rId12"/>
@@ -246,7 +246,7 @@
           <a:p>
             <a:fld id="{558B725A-BFDD-44D0-A8D3-61766B07B7F1}" type="datetimeFigureOut">
               <a:rPr lang="zh-CN" altLang="en-US" smtClean="0"/>
-              <a:t>2023/11/26</a:t>
+              <a:t>2023/11/27</a:t>
             </a:fld>
             <a:endParaRPr lang="zh-CN" altLang="en-US"/>
           </a:p>
@@ -3561,7 +3561,7 @@
           <a:p>
             <a:fld id="{8AF6F278-ABF0-48CA-ADF0-1D43CCA8A181}" type="datetimeFigureOut">
               <a:rPr lang="zh-CN" altLang="en-US" smtClean="0"/>
-              <a:t>2023/11/26</a:t>
+              <a:t>2023/11/27</a:t>
             </a:fld>
             <a:endParaRPr lang="zh-CN" altLang="en-US"/>
           </a:p>
@@ -3725,7 +3725,7 @@
           <a:p>
             <a:fld id="{8AF6F278-ABF0-48CA-ADF0-1D43CCA8A181}" type="datetimeFigureOut">
               <a:rPr lang="zh-CN" altLang="en-US" smtClean="0"/>
-              <a:t>2023/11/26</a:t>
+              <a:t>2023/11/27</a:t>
             </a:fld>
             <a:endParaRPr lang="zh-CN" altLang="en-US"/>
           </a:p>
@@ -3899,7 +3899,7 @@
           <a:p>
             <a:fld id="{8AF6F278-ABF0-48CA-ADF0-1D43CCA8A181}" type="datetimeFigureOut">
               <a:rPr lang="zh-CN" altLang="en-US" smtClean="0"/>
-              <a:t>2023/11/26</a:t>
+              <a:t>2023/11/27</a:t>
             </a:fld>
             <a:endParaRPr lang="zh-CN" altLang="en-US"/>
           </a:p>
@@ -4063,7 +4063,7 @@
           <a:p>
             <a:fld id="{8AF6F278-ABF0-48CA-ADF0-1D43CCA8A181}" type="datetimeFigureOut">
               <a:rPr lang="zh-CN" altLang="en-US" smtClean="0"/>
-              <a:t>2023/11/26</a:t>
+              <a:t>2023/11/27</a:t>
             </a:fld>
             <a:endParaRPr lang="zh-CN" altLang="en-US"/>
           </a:p>
@@ -4304,7 +4304,7 @@
           <a:p>
             <a:fld id="{8AF6F278-ABF0-48CA-ADF0-1D43CCA8A181}" type="datetimeFigureOut">
               <a:rPr lang="zh-CN" altLang="en-US" smtClean="0"/>
-              <a:t>2023/11/26</a:t>
+              <a:t>2023/11/27</a:t>
             </a:fld>
             <a:endParaRPr lang="zh-CN" altLang="en-US"/>
           </a:p>
@@ -4529,7 +4529,7 @@
           <a:p>
             <a:fld id="{8AF6F278-ABF0-48CA-ADF0-1D43CCA8A181}" type="datetimeFigureOut">
               <a:rPr lang="zh-CN" altLang="en-US" smtClean="0"/>
-              <a:t>2023/11/26</a:t>
+              <a:t>2023/11/27</a:t>
             </a:fld>
             <a:endParaRPr lang="zh-CN" altLang="en-US"/>
           </a:p>
@@ -5449,7 +5449,7 @@
           <a:p>
             <a:fld id="{8AF6F278-ABF0-48CA-ADF0-1D43CCA8A181}" type="datetimeFigureOut">
               <a:rPr lang="zh-CN" altLang="en-US" smtClean="0"/>
-              <a:t>2023/11/26</a:t>
+              <a:t>2023/11/27</a:t>
             </a:fld>
             <a:endParaRPr lang="zh-CN" altLang="en-US"/>
           </a:p>
@@ -5562,7 +5562,7 @@
           <a:p>
             <a:fld id="{8AF6F278-ABF0-48CA-ADF0-1D43CCA8A181}" type="datetimeFigureOut">
               <a:rPr lang="zh-CN" altLang="en-US" smtClean="0"/>
-              <a:t>2023/11/26</a:t>
+              <a:t>2023/11/27</a:t>
             </a:fld>
             <a:endParaRPr lang="zh-CN" altLang="en-US"/>
           </a:p>
@@ -5653,7 +5653,7 @@
           <a:p>
             <a:fld id="{8AF6F278-ABF0-48CA-ADF0-1D43CCA8A181}" type="datetimeFigureOut">
               <a:rPr lang="zh-CN" altLang="en-US" smtClean="0"/>
-              <a:t>2023/11/26</a:t>
+              <a:t>2023/11/27</a:t>
             </a:fld>
             <a:endParaRPr lang="zh-CN" altLang="en-US"/>
           </a:p>
@@ -5924,7 +5924,7 @@
           <a:p>
             <a:fld id="{8AF6F278-ABF0-48CA-ADF0-1D43CCA8A181}" type="datetimeFigureOut">
               <a:rPr lang="zh-CN" altLang="en-US" smtClean="0"/>
-              <a:t>2023/11/26</a:t>
+              <a:t>2023/11/27</a:t>
             </a:fld>
             <a:endParaRPr lang="zh-CN" altLang="en-US"/>
           </a:p>
@@ -6172,7 +6172,7 @@
           <a:p>
             <a:fld id="{8AF6F278-ABF0-48CA-ADF0-1D43CCA8A181}" type="datetimeFigureOut">
               <a:rPr lang="zh-CN" altLang="en-US" smtClean="0"/>
-              <a:t>2023/11/26</a:t>
+              <a:t>2023/11/27</a:t>
             </a:fld>
             <a:endParaRPr lang="zh-CN" altLang="en-US"/>
           </a:p>
@@ -6379,7 +6379,7 @@
           <a:p>
             <a:fld id="{8AF6F278-ABF0-48CA-ADF0-1D43CCA8A181}" type="datetimeFigureOut">
               <a:rPr lang="zh-CN" altLang="en-US" smtClean="0"/>
-              <a:t>2023/11/26</a:t>
+              <a:t>2023/11/27</a:t>
             </a:fld>
             <a:endParaRPr lang="zh-CN" altLang="en-US"/>
           </a:p>
@@ -17954,7 +17954,7 @@
         </p:nvSpPr>
         <p:spPr>
           <a:xfrm>
-            <a:off x="4674374" y="1969124"/>
+            <a:off x="4146054" y="1798061"/>
             <a:ext cx="6826746" cy="2677656"/>
           </a:xfrm>
           <a:prstGeom prst="rect">
@@ -18173,7 +18173,7 @@
         </p:nvSpPr>
         <p:spPr>
           <a:xfrm>
-            <a:off x="744676" y="3136889"/>
+            <a:off x="572730" y="3079819"/>
             <a:ext cx="3573324" cy="707886"/>
           </a:xfrm>
           <a:prstGeom prst="rect">
@@ -18316,7 +18316,7 @@
         </p:nvSpPr>
         <p:spPr>
           <a:xfrm>
-            <a:off x="5458028" y="2510878"/>
+            <a:off x="4146054" y="2306191"/>
             <a:ext cx="8298611" cy="369332"/>
           </a:xfrm>
           <a:prstGeom prst="rect">
@@ -18346,7 +18346,7 @@
         </p:nvSpPr>
         <p:spPr>
           <a:xfrm>
-            <a:off x="5458028" y="3642933"/>
+            <a:off x="4146054" y="3438246"/>
             <a:ext cx="8298611" cy="369332"/>
           </a:xfrm>
           <a:prstGeom prst="rect">
@@ -18362,7 +18362,15 @@
           <a:p>
             <a:r>
               <a:rPr lang="en-US" altLang="zh-CN" dirty="0"/>
-              <a:t>A </a:t>
+              <a:t>Build a </a:t>
+            </a:r>
+            <a:r>
+              <a:rPr lang="en-US" altLang="zh-CN" dirty="0" err="1"/>
+              <a:t>blockchain</a:t>
+            </a:r>
+            <a:r>
+              <a:rPr lang="en-US" altLang="zh-CN" dirty="0"/>
+              <a:t> network based on the </a:t>
             </a:r>
             <a:r>
               <a:rPr lang="en-US" altLang="zh-CN" dirty="0" err="1"/>
@@ -18370,7 +18378,7 @@
             </a:r>
             <a:r>
               <a:rPr lang="en-US" altLang="zh-CN" dirty="0"/>
-              <a:t> based on a consortium chain</a:t>
+              <a:t> of the alliance chain</a:t>
             </a:r>
             <a:endParaRPr lang="zh-CN" altLang="en-US" dirty="0"/>
           </a:p>
@@ -18384,8 +18392,8 @@
         </p:nvSpPr>
         <p:spPr>
           <a:xfrm>
-            <a:off x="5458028" y="4843475"/>
-            <a:ext cx="8298611" cy="369332"/>
+            <a:off x="4146054" y="4638788"/>
+            <a:ext cx="8298611" cy="923330"/>
           </a:xfrm>
           <a:prstGeom prst="rect">
             <a:avLst/>
@@ -18402,6 +18410,18 @@
               <a:rPr lang="en-US" altLang="zh-CN" dirty="0"/>
               <a:t>Generate and store medical information</a:t>
             </a:r>
+          </a:p>
+          <a:p>
+            <a:r>
+              <a:rPr lang="en-US" altLang="zh-CN" dirty="0"/>
+              <a:t>Reduce the cost of information management</a:t>
+            </a:r>
+          </a:p>
+          <a:p>
+            <a:r>
+              <a:rPr lang="en-US" altLang="zh-CN" dirty="0"/>
+              <a:t>Ensure the efficiency of verifying the authenticity of information</a:t>
+            </a:r>
             <a:endParaRPr lang="zh-CN" altLang="en-US" dirty="0"/>
           </a:p>
         </p:txBody>
@@ -18409,7 +18429,7 @@
     </p:spTree>
     <p:extLst>
       <p:ext uri="{BB962C8B-B14F-4D97-AF65-F5344CB8AC3E}">
-        <p14:creationId xmlns:p14="http://schemas.microsoft.com/office/powerpoint/2010/main" val="4062278022"/>
+        <p14:creationId xmlns:p14="http://schemas.microsoft.com/office/powerpoint/2010/main" val="4264639053"/>
       </p:ext>
     </p:extLst>
   </p:cSld>
@@ -18970,7 +18990,7 @@
             </a:pPr>
             <a:r>
               <a:rPr lang="en-US" altLang="zh-CN" dirty="0"/>
-              <a:t>Automatic processing of traditional contracts is realized</a:t>
+              <a:t>Provide automatic services </a:t>
             </a:r>
           </a:p>
           <a:p>
@@ -19201,8 +19221,13 @@
             </a:pPr>
             <a:r>
               <a:rPr lang="en-US" altLang="zh-CN" dirty="0"/>
-              <a:t>Processing and verifying transactions</a:t>
-            </a:r>
+              <a:t>Write transaction information to the </a:t>
+            </a:r>
+            <a:r>
+              <a:rPr lang="en-US" altLang="zh-CN" dirty="0" err="1"/>
+              <a:t>blockchain</a:t>
+            </a:r>
+            <a:endParaRPr lang="en-US" altLang="zh-CN" dirty="0"/>
           </a:p>
           <a:p>
             <a:pPr marL="285750" indent="-285750">
@@ -19211,11 +19236,7 @@
             </a:pPr>
             <a:r>
               <a:rPr lang="en-US" altLang="zh-CN" dirty="0"/>
-              <a:t>Write transaction information to the </a:t>
-            </a:r>
-            <a:r>
-              <a:rPr lang="en-US" altLang="zh-CN" dirty="0" err="1"/>
-              <a:t>blockchain</a:t>
+              <a:t>Enable the building and running of trusted distributed applications</a:t>
             </a:r>
             <a:endParaRPr lang="zh-CN" altLang="en-US" dirty="0"/>
           </a:p>
@@ -19224,7 +19245,7 @@
     </p:spTree>
     <p:extLst>
       <p:ext uri="{BB962C8B-B14F-4D97-AF65-F5344CB8AC3E}">
-        <p14:creationId xmlns:p14="http://schemas.microsoft.com/office/powerpoint/2010/main" val="62888909"/>
+        <p14:creationId xmlns:p14="http://schemas.microsoft.com/office/powerpoint/2010/main" val="354050390"/>
       </p:ext>
     </p:extLst>
   </p:cSld>
